--- a/class/Clase 1-2019.pptx
+++ b/class/Clase 1-2019.pptx
@@ -393,7 +393,7 @@
           <a:p>
             <a:fld id="{8D9C1FE9-4711-43E8-920E-422BD10E77CD}" type="datetimeFigureOut">
               <a:rPr lang="fr-FR" smtClean="0"/>
-              <a:t>27/05/2019</a:t>
+              <a:t>22/06/2019</a:t>
             </a:fld>
             <a:endParaRPr lang="fr-FR"/>
           </a:p>
@@ -563,7 +563,7 @@
           <a:p>
             <a:fld id="{8D9C1FE9-4711-43E8-920E-422BD10E77CD}" type="datetimeFigureOut">
               <a:rPr lang="fr-FR" smtClean="0"/>
-              <a:t>27/05/2019</a:t>
+              <a:t>22/06/2019</a:t>
             </a:fld>
             <a:endParaRPr lang="fr-FR"/>
           </a:p>
@@ -743,7 +743,7 @@
           <a:p>
             <a:fld id="{8D9C1FE9-4711-43E8-920E-422BD10E77CD}" type="datetimeFigureOut">
               <a:rPr lang="fr-FR" smtClean="0"/>
-              <a:t>27/05/2019</a:t>
+              <a:t>22/06/2019</a:t>
             </a:fld>
             <a:endParaRPr lang="fr-FR"/>
           </a:p>
@@ -913,7 +913,7 @@
           <a:p>
             <a:fld id="{8D9C1FE9-4711-43E8-920E-422BD10E77CD}" type="datetimeFigureOut">
               <a:rPr lang="fr-FR" smtClean="0"/>
-              <a:t>27/05/2019</a:t>
+              <a:t>22/06/2019</a:t>
             </a:fld>
             <a:endParaRPr lang="fr-FR"/>
           </a:p>
@@ -1159,7 +1159,7 @@
           <a:p>
             <a:fld id="{8D9C1FE9-4711-43E8-920E-422BD10E77CD}" type="datetimeFigureOut">
               <a:rPr lang="fr-FR" smtClean="0"/>
-              <a:t>27/05/2019</a:t>
+              <a:t>22/06/2019</a:t>
             </a:fld>
             <a:endParaRPr lang="fr-FR"/>
           </a:p>
@@ -1447,7 +1447,7 @@
           <a:p>
             <a:fld id="{8D9C1FE9-4711-43E8-920E-422BD10E77CD}" type="datetimeFigureOut">
               <a:rPr lang="fr-FR" smtClean="0"/>
-              <a:t>27/05/2019</a:t>
+              <a:t>22/06/2019</a:t>
             </a:fld>
             <a:endParaRPr lang="fr-FR"/>
           </a:p>
@@ -1869,7 +1869,7 @@
           <a:p>
             <a:fld id="{8D9C1FE9-4711-43E8-920E-422BD10E77CD}" type="datetimeFigureOut">
               <a:rPr lang="fr-FR" smtClean="0"/>
-              <a:t>27/05/2019</a:t>
+              <a:t>22/06/2019</a:t>
             </a:fld>
             <a:endParaRPr lang="fr-FR"/>
           </a:p>
@@ -1987,7 +1987,7 @@
           <a:p>
             <a:fld id="{8D9C1FE9-4711-43E8-920E-422BD10E77CD}" type="datetimeFigureOut">
               <a:rPr lang="fr-FR" smtClean="0"/>
-              <a:t>27/05/2019</a:t>
+              <a:t>22/06/2019</a:t>
             </a:fld>
             <a:endParaRPr lang="fr-FR"/>
           </a:p>
@@ -2082,7 +2082,7 @@
           <a:p>
             <a:fld id="{8D9C1FE9-4711-43E8-920E-422BD10E77CD}" type="datetimeFigureOut">
               <a:rPr lang="fr-FR" smtClean="0"/>
-              <a:t>27/05/2019</a:t>
+              <a:t>22/06/2019</a:t>
             </a:fld>
             <a:endParaRPr lang="fr-FR"/>
           </a:p>
@@ -2359,7 +2359,7 @@
           <a:p>
             <a:fld id="{8D9C1FE9-4711-43E8-920E-422BD10E77CD}" type="datetimeFigureOut">
               <a:rPr lang="fr-FR" smtClean="0"/>
-              <a:t>27/05/2019</a:t>
+              <a:t>22/06/2019</a:t>
             </a:fld>
             <a:endParaRPr lang="fr-FR"/>
           </a:p>
@@ -2612,7 +2612,7 @@
           <a:p>
             <a:fld id="{8D9C1FE9-4711-43E8-920E-422BD10E77CD}" type="datetimeFigureOut">
               <a:rPr lang="fr-FR" smtClean="0"/>
-              <a:t>27/05/2019</a:t>
+              <a:t>22/06/2019</a:t>
             </a:fld>
             <a:endParaRPr lang="fr-FR"/>
           </a:p>
@@ -2825,7 +2825,7 @@
           <a:p>
             <a:fld id="{8D9C1FE9-4711-43E8-920E-422BD10E77CD}" type="datetimeFigureOut">
               <a:rPr lang="fr-FR" smtClean="0"/>
-              <a:t>27/05/2019</a:t>
+              <a:t>22/06/2019</a:t>
             </a:fld>
             <a:endParaRPr lang="fr-FR"/>
           </a:p>
@@ -6618,7 +6618,7 @@
           <p:nvPr>
             <p:extLst>
               <p:ext uri="{D42A27DB-BD31-4B8C-83A1-F6EECF244321}">
-                <p14:modId xmlns:p14="http://schemas.microsoft.com/office/powerpoint/2010/main" val="4281520115"/>
+                <p14:modId xmlns:p14="http://schemas.microsoft.com/office/powerpoint/2010/main" val="3887028655"/>
               </p:ext>
             </p:extLst>
           </p:nvPr>
@@ -6825,7 +6825,7 @@
                       <a:pPr algn="ctr"/>
                       <a:r>
                         <a:rPr lang="fr-FR" dirty="0"/>
-                        <a:t>2</a:t>
+                        <a:t>3</a:t>
                       </a:r>
                     </a:p>
                   </a:txBody>
@@ -13931,7 +13931,7 @@
               <a:pPr algn="ctr"/>
               <a:r>
                 <a:rPr lang="es-AR" sz="2400" dirty="0"/>
-                <a:t>s</a:t>
+                <a:t>t</a:t>
               </a:r>
             </a:p>
           </p:txBody>
@@ -15016,7 +15016,7 @@
               <a:pPr algn="ctr"/>
               <a:r>
                 <a:rPr lang="es-AR" sz="2400" dirty="0"/>
-                <a:t>s</a:t>
+                <a:t>t</a:t>
               </a:r>
             </a:p>
           </p:txBody>
@@ -16151,7 +16151,7 @@
               <a:pPr algn="ctr"/>
               <a:r>
                 <a:rPr lang="es-AR" sz="2400" dirty="0"/>
-                <a:t>s</a:t>
+                <a:t>t</a:t>
               </a:r>
             </a:p>
           </p:txBody>
